--- a/Jenkins/Jenkins Slides.pptx
+++ b/Jenkins/Jenkins Slides.pptx
@@ -5208,11 +5208,7 @@
           <a:p>
             <a:r>
               <a:rPr lang="en-US" dirty="0" smtClean="0"/>
-              <a:t>Sainsbury</a:t>
-            </a:r>
-            <a:r>
-              <a:rPr lang="en-US" dirty="0" smtClean="0"/>
-              <a:t>’s</a:t>
+              <a:t>Sainsbury’s</a:t>
             </a:r>
           </a:p>
           <a:p>

--- a/Jenkins/Jenkins Slides.pptx
+++ b/Jenkins/Jenkins Slides.pptx
@@ -8,6 +8,8 @@
     <p:sldId id="256" r:id="rId2"/>
     <p:sldId id="257" r:id="rId3"/>
     <p:sldId id="258" r:id="rId4"/>
+    <p:sldId id="259" r:id="rId5"/>
+    <p:sldId id="260" r:id="rId6"/>
   </p:sldIdLst>
   <p:sldSz cx="9144000" cy="6858000" type="screen4x3"/>
   <p:notesSz cx="6858000" cy="9144000"/>
@@ -736,7 +738,7 @@
           <a:p>
             <a:fld id="{70BA1CFD-BFF0-48BC-9BA5-4974D7A6AB15}" type="datetimeFigureOut">
               <a:rPr lang="en-US" smtClean="0"/>
-              <a:t>08/09/15</a:t>
+              <a:t>09/09/15</a:t>
             </a:fld>
             <a:endParaRPr lang="en-US"/>
           </a:p>
@@ -915,7 +917,7 @@
           <a:p>
             <a:fld id="{70BA1CFD-BFF0-48BC-9BA5-4974D7A6AB15}" type="datetimeFigureOut">
               <a:rPr lang="en-US" smtClean="0"/>
-              <a:t>08/09/15</a:t>
+              <a:t>09/09/15</a:t>
             </a:fld>
             <a:endParaRPr lang="en-US"/>
           </a:p>
@@ -1094,7 +1096,7 @@
           <a:p>
             <a:fld id="{70BA1CFD-BFF0-48BC-9BA5-4974D7A6AB15}" type="datetimeFigureOut">
               <a:rPr lang="en-US" smtClean="0"/>
-              <a:t>08/09/15</a:t>
+              <a:t>09/09/15</a:t>
             </a:fld>
             <a:endParaRPr lang="en-US"/>
           </a:p>
@@ -1259,7 +1261,7 @@
           <a:p>
             <a:fld id="{70BA1CFD-BFF0-48BC-9BA5-4974D7A6AB15}" type="datetimeFigureOut">
               <a:rPr lang="en-US" smtClean="0"/>
-              <a:t>08/09/15</a:t>
+              <a:t>09/09/15</a:t>
             </a:fld>
             <a:endParaRPr lang="en-US"/>
           </a:p>
@@ -1498,7 +1500,7 @@
           <a:p>
             <a:fld id="{70BA1CFD-BFF0-48BC-9BA5-4974D7A6AB15}" type="datetimeFigureOut">
               <a:rPr lang="en-US" smtClean="0"/>
-              <a:t>08/09/15</a:t>
+              <a:t>09/09/15</a:t>
             </a:fld>
             <a:endParaRPr lang="en-US"/>
           </a:p>
@@ -1611,7 +1613,7 @@
           <a:p>
             <a:fld id="{70BA1CFD-BFF0-48BC-9BA5-4974D7A6AB15}" type="datetimeFigureOut">
               <a:rPr lang="en-US" smtClean="0"/>
-              <a:t>08/09/15</a:t>
+              <a:t>09/09/15</a:t>
             </a:fld>
             <a:endParaRPr lang="en-US"/>
           </a:p>
@@ -1984,7 +1986,7 @@
           <a:p>
             <a:fld id="{70BA1CFD-BFF0-48BC-9BA5-4974D7A6AB15}" type="datetimeFigureOut">
               <a:rPr lang="en-US" smtClean="0"/>
-              <a:t>08/09/15</a:t>
+              <a:t>09/09/15</a:t>
             </a:fld>
             <a:endParaRPr lang="en-US"/>
           </a:p>
@@ -2211,7 +2213,7 @@
           <a:p>
             <a:fld id="{70BA1CFD-BFF0-48BC-9BA5-4974D7A6AB15}" type="datetimeFigureOut">
               <a:rPr lang="en-US" smtClean="0"/>
-              <a:t>08/09/15</a:t>
+              <a:t>09/09/15</a:t>
             </a:fld>
             <a:endParaRPr lang="en-US"/>
           </a:p>
@@ -2301,7 +2303,7 @@
           <a:p>
             <a:fld id="{70BA1CFD-BFF0-48BC-9BA5-4974D7A6AB15}" type="datetimeFigureOut">
               <a:rPr lang="en-US" smtClean="0"/>
-              <a:t>08/09/15</a:t>
+              <a:t>09/09/15</a:t>
             </a:fld>
             <a:endParaRPr lang="en-US"/>
           </a:p>
@@ -3128,7 +3130,7 @@
           <a:p>
             <a:fld id="{70BA1CFD-BFF0-48BC-9BA5-4974D7A6AB15}" type="datetimeFigureOut">
               <a:rPr lang="en-US" smtClean="0"/>
-              <a:t>08/09/15</a:t>
+              <a:t>09/09/15</a:t>
             </a:fld>
             <a:endParaRPr lang="en-US"/>
           </a:p>
@@ -3959,7 +3961,7 @@
           <a:p>
             <a:fld id="{70BA1CFD-BFF0-48BC-9BA5-4974D7A6AB15}" type="datetimeFigureOut">
               <a:rPr lang="en-US" smtClean="0"/>
-              <a:t>08/09/15</a:t>
+              <a:t>09/09/15</a:t>
             </a:fld>
             <a:endParaRPr lang="en-US"/>
           </a:p>
@@ -4613,7 +4615,7 @@
           <a:p>
             <a:fld id="{70BA1CFD-BFF0-48BC-9BA5-4974D7A6AB15}" type="datetimeFigureOut">
               <a:rPr lang="en-US" smtClean="0"/>
-              <a:t>08/09/15</a:t>
+              <a:t>09/09/15</a:t>
             </a:fld>
             <a:endParaRPr lang="en-US"/>
           </a:p>
@@ -5090,11 +5092,11 @@
           <a:p>
             <a:r>
               <a:rPr lang="en-US" dirty="0" err="1" smtClean="0"/>
-              <a:t>GiT</a:t>
+              <a:t>Git</a:t>
             </a:r>
             <a:r>
               <a:rPr lang="en-US" dirty="0" smtClean="0"/>
-              <a:t>, Jenkins, VM</a:t>
+              <a:t> and Jenkins</a:t>
             </a:r>
             <a:endParaRPr lang="en-US" dirty="0"/>
           </a:p>
@@ -5166,11 +5168,11 @@
           <a:p>
             <a:r>
               <a:rPr lang="en-US" dirty="0" err="1" smtClean="0"/>
-              <a:t>GiT</a:t>
+              <a:t>Git</a:t>
             </a:r>
             <a:r>
               <a:rPr lang="en-US" dirty="0" smtClean="0"/>
-              <a:t> - installation </a:t>
+              <a:t> and Jenkins</a:t>
             </a:r>
             <a:endParaRPr lang="en-US" dirty="0"/>
           </a:p>
@@ -5188,90 +5190,49 @@
         </p:nvSpPr>
         <p:spPr/>
         <p:txBody>
-          <a:bodyPr>
-            <a:normAutofit fontScale="92500" lnSpcReduction="20000"/>
-          </a:bodyPr>
-          <a:lstStyle/>
-          <a:p>
+          <a:bodyPr/>
+          <a:lstStyle/>
+          <a:p>
+            <a:r>
+              <a:rPr lang="en-US" dirty="0" smtClean="0"/>
+              <a:t> First off you need the </a:t>
+            </a:r>
             <a:r>
               <a:rPr lang="en-US" dirty="0" err="1" smtClean="0"/>
-              <a:t>Asda</a:t>
+              <a:t>Git</a:t>
+            </a:r>
+            <a:r>
+              <a:rPr lang="en-US" dirty="0" smtClean="0"/>
+              <a:t> plugin from the Jenkins plugin manager</a:t>
+            </a:r>
+          </a:p>
+          <a:p>
+            <a:r>
+              <a:rPr lang="en-US" dirty="0"/>
+              <a:t> </a:t>
+            </a:r>
+            <a:r>
+              <a:rPr lang="en-US" dirty="0" smtClean="0"/>
+              <a:t>Once that is successfully installed you will see an additional option when you create a new job under “Source Code Management” called </a:t>
+            </a:r>
+            <a:r>
+              <a:rPr lang="en-US" dirty="0" err="1" smtClean="0"/>
+              <a:t>Git</a:t>
             </a:r>
             <a:endParaRPr lang="en-US" dirty="0" smtClean="0"/>
           </a:p>
           <a:p>
-            <a:r>
-              <a:rPr lang="en-US" dirty="0" smtClean="0"/>
-              <a:t>Tesco</a:t>
-            </a:r>
-          </a:p>
-          <a:p>
-            <a:r>
-              <a:rPr lang="en-US" dirty="0" smtClean="0"/>
-              <a:t>Sainsbury’s</a:t>
-            </a:r>
-          </a:p>
-          <a:p>
-            <a:r>
-              <a:rPr lang="en-US" dirty="0" err="1" smtClean="0"/>
-              <a:t>Morrisons</a:t>
-            </a:r>
-            <a:endParaRPr lang="en-US" dirty="0" smtClean="0"/>
-          </a:p>
-          <a:p>
-            <a:r>
-              <a:rPr lang="en-US" dirty="0" err="1" smtClean="0"/>
-              <a:t>Aldi</a:t>
-            </a:r>
-            <a:endParaRPr lang="en-US" dirty="0" smtClean="0"/>
-          </a:p>
-          <a:p>
-            <a:r>
-              <a:rPr lang="en-US" dirty="0" err="1" smtClean="0"/>
-              <a:t>Lidl</a:t>
-            </a:r>
-            <a:endParaRPr lang="en-US" dirty="0" smtClean="0"/>
-          </a:p>
-          <a:p>
-            <a:r>
-              <a:rPr lang="en-US" dirty="0" err="1" smtClean="0"/>
-              <a:t>Wilko</a:t>
-            </a:r>
-            <a:endParaRPr lang="en-US" dirty="0" smtClean="0"/>
-          </a:p>
-          <a:p>
-            <a:r>
-              <a:rPr lang="en-US" dirty="0" smtClean="0"/>
-              <a:t>Waitrose</a:t>
-            </a:r>
-          </a:p>
-          <a:p>
-            <a:r>
-              <a:rPr lang="en-US" dirty="0" smtClean="0"/>
-              <a:t>THE CLASSIC </a:t>
-            </a:r>
-            <a:r>
-              <a:rPr lang="en-US" dirty="0" smtClean="0">
-                <a:sym typeface="Wingdings"/>
-              </a:rPr>
-              <a:t> BOOOOOOTHS</a:t>
-            </a:r>
-          </a:p>
-          <a:p>
-            <a:r>
-              <a:rPr lang="en-US" dirty="0" smtClean="0">
-                <a:sym typeface="Wingdings"/>
-              </a:rPr>
-              <a:t>M&amp;S</a:t>
-            </a:r>
-            <a:endParaRPr lang="en-US" dirty="0" smtClean="0"/>
+            <a:pPr marL="0" indent="0">
+              <a:buNone/>
+            </a:pPr>
+            <a:endParaRPr lang="en-US" dirty="0"/>
           </a:p>
         </p:txBody>
       </p:sp>
     </p:spTree>
     <p:extLst>
       <p:ext uri="{BB962C8B-B14F-4D97-AF65-F5344CB8AC3E}">
-        <p14:creationId xmlns:p14="http://schemas.microsoft.com/office/powerpoint/2010/main" val="2569716299"/>
+        <p14:creationId xmlns:p14="http://schemas.microsoft.com/office/powerpoint/2010/main" val="3965225428"/>
       </p:ext>
     </p:extLst>
   </p:cSld>
@@ -5308,42 +5269,259 @@
             <p:ph type="title"/>
           </p:nvPr>
         </p:nvSpPr>
-        <p:spPr/>
-        <p:txBody>
-          <a:bodyPr/>
-          <a:lstStyle/>
-          <a:p>
-            <a:r>
-              <a:rPr lang="en-US" dirty="0" smtClean="0"/>
-              <a:t>Jenkins</a:t>
-            </a:r>
-            <a:endParaRPr lang="en-US" dirty="0"/>
-          </a:p>
-        </p:txBody>
-      </p:sp>
-      <p:sp>
-        <p:nvSpPr>
-          <p:cNvPr id="3" name="Content Placeholder 2"/>
-          <p:cNvSpPr>
-            <a:spLocks noGrp="1"/>
-          </p:cNvSpPr>
-          <p:nvPr>
-            <p:ph idx="1"/>
-          </p:nvPr>
-        </p:nvSpPr>
-        <p:spPr/>
-        <p:txBody>
-          <a:bodyPr/>
-          <a:lstStyle/>
-          <a:p>
-            <a:endParaRPr lang="en-US" dirty="0"/>
-          </a:p>
-        </p:txBody>
-      </p:sp>
+        <p:spPr>
+          <a:xfrm>
+            <a:off x="1095023" y="112087"/>
+            <a:ext cx="6965245" cy="1202485"/>
+          </a:xfrm>
+        </p:spPr>
+        <p:txBody>
+          <a:bodyPr>
+            <a:normAutofit/>
+          </a:bodyPr>
+          <a:lstStyle/>
+          <a:p>
+            <a:r>
+              <a:rPr lang="en-US" sz="2800" dirty="0" smtClean="0"/>
+              <a:t>Here you can configure your </a:t>
+            </a:r>
+            <a:r>
+              <a:rPr lang="en-US" sz="2800" dirty="0" err="1" smtClean="0"/>
+              <a:t>Git</a:t>
+            </a:r>
+            <a:r>
+              <a:rPr lang="en-US" sz="2800" dirty="0" smtClean="0"/>
+              <a:t> repository</a:t>
+            </a:r>
+            <a:endParaRPr lang="en-US" sz="2800" dirty="0"/>
+          </a:p>
+        </p:txBody>
+      </p:sp>
+      <p:pic>
+        <p:nvPicPr>
+          <p:cNvPr id="7" name="Picture 6" descr="Screen Shot 2015-09-08 at 16.04.00.png"/>
+          <p:cNvPicPr>
+            <a:picLocks noChangeAspect="1"/>
+          </p:cNvPicPr>
+          <p:nvPr/>
+        </p:nvPicPr>
+        <p:blipFill>
+          <a:blip r:embed="rId2" cstate="print">
+            <a:extLst>
+              <a:ext uri="{28A0092B-C50C-407E-A947-70E740481C1C}">
+                <a14:useLocalDpi xmlns:a14="http://schemas.microsoft.com/office/drawing/2010/main" val="0"/>
+              </a:ext>
+            </a:extLst>
+          </a:blip>
+          <a:stretch>
+            <a:fillRect/>
+          </a:stretch>
+        </p:blipFill>
+        <p:spPr>
+          <a:xfrm>
+            <a:off x="0" y="1121933"/>
+            <a:ext cx="9144000" cy="5715000"/>
+          </a:xfrm>
+          <a:prstGeom prst="rect">
+            <a:avLst/>
+          </a:prstGeom>
+        </p:spPr>
+      </p:pic>
     </p:spTree>
     <p:extLst>
       <p:ext uri="{BB962C8B-B14F-4D97-AF65-F5344CB8AC3E}">
-        <p14:creationId xmlns:p14="http://schemas.microsoft.com/office/powerpoint/2010/main" val="1944261486"/>
+        <p14:creationId xmlns:p14="http://schemas.microsoft.com/office/powerpoint/2010/main" val="2162801079"/>
+      </p:ext>
+    </p:extLst>
+  </p:cSld>
+  <p:clrMapOvr>
+    <a:masterClrMapping/>
+  </p:clrMapOvr>
+</p:sld>
+</file>
+
+<file path=ppt/slides/slide4.xml><?xml version="1.0" encoding="utf-8"?>
+<p:sld xmlns:a="http://schemas.openxmlformats.org/drawingml/2006/main" xmlns:r="http://schemas.openxmlformats.org/officeDocument/2006/relationships" xmlns:p="http://schemas.openxmlformats.org/presentationml/2006/main">
+  <p:cSld>
+    <p:spTree>
+      <p:nvGrpSpPr>
+        <p:cNvPr id="1" name=""/>
+        <p:cNvGrpSpPr/>
+        <p:nvPr/>
+      </p:nvGrpSpPr>
+      <p:grpSpPr>
+        <a:xfrm>
+          <a:off x="0" y="0"/>
+          <a:ext cx="0" cy="0"/>
+          <a:chOff x="0" y="0"/>
+          <a:chExt cx="0" cy="0"/>
+        </a:xfrm>
+      </p:grpSpPr>
+      <p:sp>
+        <p:nvSpPr>
+          <p:cNvPr id="2" name="Title 1"/>
+          <p:cNvSpPr>
+            <a:spLocks noGrp="1"/>
+          </p:cNvSpPr>
+          <p:nvPr>
+            <p:ph type="title"/>
+          </p:nvPr>
+        </p:nvSpPr>
+        <p:spPr/>
+        <p:txBody>
+          <a:bodyPr/>
+          <a:lstStyle/>
+          <a:p>
+            <a:r>
+              <a:rPr lang="en-US" dirty="0" smtClean="0"/>
+              <a:t>Advanced Configuration</a:t>
+            </a:r>
+            <a:endParaRPr lang="en-US" dirty="0"/>
+          </a:p>
+        </p:txBody>
+      </p:sp>
+      <p:sp>
+        <p:nvSpPr>
+          <p:cNvPr id="3" name="Content Placeholder 2"/>
+          <p:cNvSpPr>
+            <a:spLocks noGrp="1"/>
+          </p:cNvSpPr>
+          <p:nvPr>
+            <p:ph idx="1"/>
+          </p:nvPr>
+        </p:nvSpPr>
+        <p:spPr/>
+        <p:txBody>
+          <a:bodyPr/>
+          <a:lstStyle/>
+          <a:p>
+            <a:r>
+              <a:rPr lang="en-US" dirty="0" smtClean="0"/>
+              <a:t> There are </a:t>
+            </a:r>
+            <a:r>
+              <a:rPr lang="en-US" dirty="0"/>
+              <a:t>a number of options that can be configured on the build. For </a:t>
+            </a:r>
+            <a:r>
+              <a:rPr lang="en-US" dirty="0" smtClean="0"/>
+              <a:t>example, you can set your </a:t>
+            </a:r>
+            <a:r>
+              <a:rPr lang="en-US" dirty="0" err="1" smtClean="0"/>
+              <a:t>Git</a:t>
+            </a:r>
+            <a:r>
+              <a:rPr lang="en-US" dirty="0" smtClean="0"/>
+              <a:t> username and email so that the repository on </a:t>
+            </a:r>
+            <a:r>
+              <a:rPr lang="en-US" dirty="0" err="1" smtClean="0"/>
+              <a:t>GitHub</a:t>
+            </a:r>
+            <a:r>
+              <a:rPr lang="en-US" dirty="0" smtClean="0"/>
+              <a:t> will track your commits properly.</a:t>
+            </a:r>
+            <a:endParaRPr lang="en-US" dirty="0"/>
+          </a:p>
+        </p:txBody>
+      </p:sp>
+    </p:spTree>
+    <p:extLst>
+      <p:ext uri="{BB962C8B-B14F-4D97-AF65-F5344CB8AC3E}">
+        <p14:creationId xmlns:p14="http://schemas.microsoft.com/office/powerpoint/2010/main" val="742388768"/>
+      </p:ext>
+    </p:extLst>
+  </p:cSld>
+  <p:clrMapOvr>
+    <a:masterClrMapping/>
+  </p:clrMapOvr>
+</p:sld>
+</file>
+
+<file path=ppt/slides/slide5.xml><?xml version="1.0" encoding="utf-8"?>
+<p:sld xmlns:a="http://schemas.openxmlformats.org/drawingml/2006/main" xmlns:r="http://schemas.openxmlformats.org/officeDocument/2006/relationships" xmlns:p="http://schemas.openxmlformats.org/presentationml/2006/main">
+  <p:cSld>
+    <p:spTree>
+      <p:nvGrpSpPr>
+        <p:cNvPr id="1" name=""/>
+        <p:cNvGrpSpPr/>
+        <p:nvPr/>
+      </p:nvGrpSpPr>
+      <p:grpSpPr>
+        <a:xfrm>
+          <a:off x="0" y="0"/>
+          <a:ext cx="0" cy="0"/>
+          <a:chOff x="0" y="0"/>
+          <a:chExt cx="0" cy="0"/>
+        </a:xfrm>
+      </p:grpSpPr>
+      <p:sp>
+        <p:nvSpPr>
+          <p:cNvPr id="2" name="Title 1"/>
+          <p:cNvSpPr>
+            <a:spLocks noGrp="1"/>
+          </p:cNvSpPr>
+          <p:nvPr>
+            <p:ph type="title"/>
+          </p:nvPr>
+        </p:nvSpPr>
+        <p:spPr>
+          <a:xfrm>
+            <a:off x="787845" y="817582"/>
+            <a:ext cx="7549202" cy="1202485"/>
+          </a:xfrm>
+        </p:spPr>
+        <p:txBody>
+          <a:bodyPr>
+            <a:normAutofit fontScale="90000"/>
+          </a:bodyPr>
+          <a:lstStyle/>
+          <a:p>
+            <a:r>
+              <a:rPr lang="en-US" dirty="0" smtClean="0"/>
+              <a:t>Advanced Configuration Part 2</a:t>
+            </a:r>
+            <a:endParaRPr lang="en-US" dirty="0"/>
+          </a:p>
+        </p:txBody>
+      </p:sp>
+      <p:sp>
+        <p:nvSpPr>
+          <p:cNvPr id="3" name="Content Placeholder 2"/>
+          <p:cNvSpPr>
+            <a:spLocks noGrp="1"/>
+          </p:cNvSpPr>
+          <p:nvPr>
+            <p:ph idx="1"/>
+          </p:nvPr>
+        </p:nvSpPr>
+        <p:spPr/>
+        <p:txBody>
+          <a:bodyPr/>
+          <a:lstStyle/>
+          <a:p>
+            <a:r>
+              <a:rPr lang="en-US" dirty="0" smtClean="0"/>
+              <a:t> </a:t>
+            </a:r>
+            <a:r>
+              <a:rPr lang="en-US" dirty="0"/>
+              <a:t>This plugin can be used to implement a pre-commit feature wherein commits are merged into a stable branch only if builds happen successfully on a development branch</a:t>
+            </a:r>
+            <a:r>
+              <a:rPr lang="en-US" dirty="0" smtClean="0"/>
+              <a:t>.</a:t>
+            </a:r>
+            <a:endParaRPr lang="en-US" dirty="0"/>
+          </a:p>
+        </p:txBody>
+      </p:sp>
+    </p:spTree>
+    <p:extLst>
+      <p:ext uri="{BB962C8B-B14F-4D97-AF65-F5344CB8AC3E}">
+        <p14:creationId xmlns:p14="http://schemas.microsoft.com/office/powerpoint/2010/main" val="2170098279"/>
       </p:ext>
     </p:extLst>
   </p:cSld>
